--- a/doc/jsonbag.pptx
+++ b/doc/jsonbag.pptx
@@ -2977,7 +2977,7 @@
         </p:nvSpPr>
         <p:spPr>
           <a:xfrm>
-            <a:off x="1965533" y="1196782"/>
+            <a:off x="1965533" y="1218554"/>
             <a:ext cx="1042587" cy="871671"/>
           </a:xfrm>
           <a:prstGeom prst="rect">
@@ -3067,7 +3067,6 @@
               <a:rPr lang="en-US" dirty="0" smtClean="0"/>
               <a:t>Data</a:t>
             </a:r>
-            <a:endParaRPr lang="en-US" dirty="0" smtClean="0"/>
           </a:p>
         </p:txBody>
       </p:sp>
@@ -3079,7 +3078,7 @@
         </p:nvSpPr>
         <p:spPr>
           <a:xfrm>
-            <a:off x="1965530" y="900529"/>
+            <a:off x="1965530" y="922301"/>
             <a:ext cx="1042587" cy="212220"/>
           </a:xfrm>
           <a:prstGeom prst="rect">
@@ -3191,7 +3190,7 @@
         </p:nvSpPr>
         <p:spPr>
           <a:xfrm>
-            <a:off x="3854153" y="1677822"/>
+            <a:off x="3016050" y="1677822"/>
             <a:ext cx="928459" cy="261610"/>
           </a:xfrm>
           <a:prstGeom prst="rect">
@@ -3209,7 +3208,6 @@
               <a:rPr lang="en-US" sz="1100" dirty="0" smtClean="0"/>
               <a:t>JSON Pointer</a:t>
             </a:r>
-            <a:endParaRPr lang="en-US" sz="1100" dirty="0" smtClean="0"/>
           </a:p>
         </p:txBody>
       </p:sp>
@@ -3227,6 +3225,9 @@
           <a:prstGeom prst="rect">
             <a:avLst/>
           </a:prstGeom>
+          <a:solidFill>
+            <a:schemeClr val="accent2"/>
+          </a:solidFill>
           <a:ln>
             <a:solidFill>
               <a:schemeClr val="accent2"/>
@@ -3255,10 +3256,10 @@
           <a:p>
             <a:pPr algn="ctr"/>
             <a:r>
-              <a:rPr lang="en-US" sz="1400" dirty="0" smtClean="0"/>
-              <a:t>header</a:t>
-            </a:r>
-            <a:endParaRPr lang="en-US" sz="1400" dirty="0"/>
+              <a:rPr lang="en-US" sz="1100" smtClean="0"/>
+              <a:t>Header (JSON)</a:t>
+            </a:r>
+            <a:endParaRPr lang="en-US" sz="1100" dirty="0"/>
           </a:p>
         </p:txBody>
       </p:sp>
@@ -3350,7 +3351,7 @@
         </p:nvSpPr>
         <p:spPr>
           <a:xfrm>
-            <a:off x="1341564" y="1886418"/>
+            <a:off x="1345529" y="1937649"/>
             <a:ext cx="410690" cy="261610"/>
           </a:xfrm>
           <a:prstGeom prst="rect">
@@ -3380,8 +3381,8 @@
         </p:nvSpPr>
         <p:spPr>
           <a:xfrm>
-            <a:off x="2239619" y="2915481"/>
-            <a:ext cx="468398" cy="584775"/>
+            <a:off x="1964508" y="2915481"/>
+            <a:ext cx="1043609" cy="584775"/>
           </a:xfrm>
           <a:prstGeom prst="rect">
             <a:avLst/>
@@ -3389,16 +3390,47 @@
           <a:noFill/>
         </p:spPr>
         <p:txBody>
+          <a:bodyPr wrap="square" rtlCol="0">
+            <a:spAutoFit/>
+          </a:bodyPr>
+          <a:lstStyle/>
+          <a:p>
+            <a:pPr algn="ctr"/>
+            <a:r>
+              <a:rPr lang="en-US" sz="3200" smtClean="0"/>
+              <a:t>…</a:t>
+            </a:r>
+            <a:endParaRPr lang="en-US" sz="3200"/>
+          </a:p>
+        </p:txBody>
+      </p:sp>
+      <p:sp>
+        <p:nvSpPr>
+          <p:cNvPr id="2" name="TextBox 1"/>
+          <p:cNvSpPr txBox="1"/>
+          <p:nvPr/>
+        </p:nvSpPr>
+        <p:spPr>
+          <a:xfrm>
+            <a:off x="3080922" y="889643"/>
+            <a:ext cx="729687" cy="261610"/>
+          </a:xfrm>
+          <a:prstGeom prst="rect">
+            <a:avLst/>
+          </a:prstGeom>
+          <a:noFill/>
+        </p:spPr>
+        <p:txBody>
           <a:bodyPr wrap="none" rtlCol="0">
             <a:spAutoFit/>
           </a:bodyPr>
           <a:lstStyle/>
           <a:p>
             <a:r>
-              <a:rPr lang="en-US" sz="3200" smtClean="0"/>
-              <a:t>…</a:t>
-            </a:r>
-            <a:endParaRPr lang="en-US" sz="3200"/>
+              <a:rPr lang="en-US" sz="1100" smtClean="0"/>
+              <a:t>(one line)</a:t>
+            </a:r>
+            <a:endParaRPr lang="en-US" sz="1100"/>
           </a:p>
         </p:txBody>
       </p:sp>
